--- a/Presentazione.pptx
+++ b/Presentazione.pptx
@@ -14,9 +14,10 @@
     <p:sldId id="261" r:id="rId8"/>
     <p:sldId id="262" r:id="rId9"/>
     <p:sldId id="263" r:id="rId10"/>
-    <p:sldId id="264" r:id="rId11"/>
-    <p:sldId id="265" r:id="rId12"/>
-    <p:sldId id="266" r:id="rId13"/>
+    <p:sldId id="268" r:id="rId11"/>
+    <p:sldId id="264" r:id="rId12"/>
+    <p:sldId id="265" r:id="rId13"/>
+    <p:sldId id="266" r:id="rId14"/>
   </p:sldIdLst>
   <p:sldSz cx="12192000" cy="6858000"/>
   <p:notesSz cx="6858000" cy="9144000"/>
@@ -218,7 +219,7 @@
           <a:effectLst/>
           <a:extLst>
             <a:ext uri="{91240B29-F687-4f45-9708-019B960494DF}">
-              <a14:hiddenLine xmlns:a14="http://schemas.microsoft.com/office/drawing/2010/main" xmlns="" w="9525">
+              <a14:hiddenLine xmlns="" xmlns:a14="http://schemas.microsoft.com/office/drawing/2010/main" w="9525">
                 <a:solidFill>
                   <a:srgbClr val="000000"/>
                 </a:solidFill>
@@ -411,7 +412,7 @@
             <a:fld id="{08B9EBBA-996F-894A-B54A-D6246ED52CEA}" type="datetimeFigureOut">
               <a:rPr lang="en-US" dirty="0"/>
               <a:pPr/>
-              <a:t>12/28/2017</a:t>
+              <a:t>1/27/2018</a:t>
             </a:fld>
             <a:endParaRPr lang="en-US" dirty="0"/>
           </a:p>
@@ -726,7 +727,7 @@
             <a:fld id="{18C79C5D-2A6F-F04D-97DA-BEF2467B64E4}" type="datetimeFigureOut">
               <a:rPr lang="en-US" dirty="0"/>
               <a:pPr/>
-              <a:t>12/28/2017</a:t>
+              <a:t>1/27/2018</a:t>
             </a:fld>
             <a:endParaRPr lang="en-US" dirty="0"/>
           </a:p>
@@ -1211,7 +1212,7 @@
             <a:fld id="{8DFA1846-DA80-1C48-A609-854EA85C59AD}" type="datetimeFigureOut">
               <a:rPr lang="en-US" dirty="0"/>
               <a:pPr/>
-              <a:t>12/28/2017</a:t>
+              <a:t>1/27/2018</a:t>
             </a:fld>
             <a:endParaRPr lang="en-US" dirty="0"/>
           </a:p>
@@ -1577,7 +1578,7 @@
             <a:fld id="{FBF54567-0DE4-3F47-BF90-CB84690072F9}" type="datetimeFigureOut">
               <a:rPr lang="en-US" dirty="0"/>
               <a:pPr/>
-              <a:t>12/28/2017</a:t>
+              <a:t>1/27/2018</a:t>
             </a:fld>
             <a:endParaRPr lang="en-US" dirty="0"/>
           </a:p>
@@ -1728,7 +1729,7 @@
           <a:ln/>
           <a:extLst>
             <a:ext uri="{91240B29-F687-4f45-9708-019B960494DF}">
-              <a14:hiddenLine xmlns:a14="http://schemas.microsoft.com/office/drawing/2010/main" xmlns="" w="9525">
+              <a14:hiddenLine xmlns="" xmlns:a14="http://schemas.microsoft.com/office/drawing/2010/main" w="9525">
                 <a:solidFill>
                   <a:srgbClr val="000000"/>
                 </a:solidFill>
@@ -1847,7 +1848,7 @@
             <a:fld id="{C6C52C72-DE31-F449-A4ED-4C594FD91407}" type="datetimeFigureOut">
               <a:rPr lang="en-US" dirty="0"/>
               <a:pPr/>
-              <a:t>12/28/2017</a:t>
+              <a:t>1/27/2018</a:t>
             </a:fld>
             <a:endParaRPr lang="en-US" dirty="0"/>
           </a:p>
@@ -2000,7 +2001,7 @@
           <a:ln/>
           <a:extLst>
             <a:ext uri="{91240B29-F687-4f45-9708-019B960494DF}">
-              <a14:hiddenLine xmlns:a14="http://schemas.microsoft.com/office/drawing/2010/main" xmlns="" w="9525">
+              <a14:hiddenLine xmlns="" xmlns:a14="http://schemas.microsoft.com/office/drawing/2010/main" w="9525">
                 <a:solidFill>
                   <a:srgbClr val="000000"/>
                 </a:solidFill>
@@ -2129,7 +2130,7 @@
             <a:fld id="{ED62726E-379B-B349-9EED-81ED093FA806}" type="datetimeFigureOut">
               <a:rPr lang="en-US" dirty="0"/>
               <a:pPr/>
-              <a:t>12/28/2017</a:t>
+              <a:t>1/27/2018</a:t>
             </a:fld>
             <a:endParaRPr lang="en-US" dirty="0"/>
           </a:p>
@@ -2280,7 +2281,7 @@
           <a:ln/>
           <a:extLst>
             <a:ext uri="{91240B29-F687-4f45-9708-019B960494DF}">
-              <a14:hiddenLine xmlns:a14="http://schemas.microsoft.com/office/drawing/2010/main" xmlns="" w="9525">
+              <a14:hiddenLine xmlns="" xmlns:a14="http://schemas.microsoft.com/office/drawing/2010/main" w="9525">
                 <a:solidFill>
                   <a:srgbClr val="000000"/>
                 </a:solidFill>
@@ -2409,7 +2410,7 @@
             <a:fld id="{9B3A1323-8D79-1946-B0D7-40001CF92E9D}" type="datetimeFigureOut">
               <a:rPr lang="en-US" dirty="0"/>
               <a:pPr/>
-              <a:t>12/28/2017</a:t>
+              <a:t>1/27/2018</a:t>
             </a:fld>
             <a:endParaRPr lang="en-US" dirty="0"/>
           </a:p>
@@ -2749,7 +2750,7 @@
             <a:fld id="{8DFA1846-DA80-1C48-A609-854EA85C59AD}" type="datetimeFigureOut">
               <a:rPr lang="en-US" dirty="0"/>
               <a:pPr/>
-              <a:t>12/28/2017</a:t>
+              <a:t>1/27/2018</a:t>
             </a:fld>
             <a:endParaRPr lang="en-US" dirty="0"/>
           </a:p>
@@ -2900,7 +2901,7 @@
           <a:ln/>
           <a:extLst>
             <a:ext uri="{91240B29-F687-4f45-9708-019B960494DF}">
-              <a14:hiddenLine xmlns:a14="http://schemas.microsoft.com/office/drawing/2010/main" xmlns="" w="9525">
+              <a14:hiddenLine xmlns="" xmlns:a14="http://schemas.microsoft.com/office/drawing/2010/main" w="9525">
                 <a:solidFill>
                   <a:srgbClr val="000000"/>
                 </a:solidFill>
@@ -3085,7 +3086,7 @@
             <a:fld id="{57302355-E14B-8545-A8F8-0FE83CC9D524}" type="datetimeFigureOut">
               <a:rPr lang="en-US" dirty="0"/>
               <a:pPr/>
-              <a:t>12/28/2017</a:t>
+              <a:t>1/27/2018</a:t>
             </a:fld>
             <a:endParaRPr lang="en-US" dirty="0"/>
           </a:p>
@@ -3236,7 +3237,7 @@
           <a:ln/>
           <a:extLst>
             <a:ext uri="{91240B29-F687-4f45-9708-019B960494DF}">
-              <a14:hiddenLine xmlns:a14="http://schemas.microsoft.com/office/drawing/2010/main" xmlns="" w="9525">
+              <a14:hiddenLine xmlns="" xmlns:a14="http://schemas.microsoft.com/office/drawing/2010/main" w="9525">
                 <a:solidFill>
                   <a:srgbClr val="000000"/>
                 </a:solidFill>
@@ -3559,7 +3560,7 @@
             <a:fld id="{02640F58-564D-2B4F-AE67-E407BA4FCF45}" type="datetimeFigureOut">
               <a:rPr lang="en-US" dirty="0"/>
               <a:pPr/>
-              <a:t>12/28/2017</a:t>
+              <a:t>1/27/2018</a:t>
             </a:fld>
             <a:endParaRPr lang="en-US" dirty="0"/>
           </a:p>
@@ -3710,7 +3711,7 @@
           <a:ln/>
           <a:extLst>
             <a:ext uri="{91240B29-F687-4f45-9708-019B960494DF}">
-              <a14:hiddenLine xmlns:a14="http://schemas.microsoft.com/office/drawing/2010/main" xmlns="" w="9525">
+              <a14:hiddenLine xmlns="" xmlns:a14="http://schemas.microsoft.com/office/drawing/2010/main" w="9525">
                 <a:solidFill>
                   <a:srgbClr val="000000"/>
                 </a:solidFill>
@@ -3777,7 +3778,7 @@
             <a:fld id="{F13A34C8-038E-2045-AF43-DF7DBB8E0E9E}" type="datetimeFigureOut">
               <a:rPr lang="en-US" dirty="0"/>
               <a:pPr/>
-              <a:t>12/28/2017</a:t>
+              <a:t>1/27/2018</a:t>
             </a:fld>
             <a:endParaRPr lang="en-US" dirty="0"/>
           </a:p>
@@ -3869,7 +3870,7 @@
             <a:fld id="{8818C68F-D26B-8F47-958C-23B49CF8A634}" type="datetimeFigureOut">
               <a:rPr lang="en-US" dirty="0"/>
               <a:pPr/>
-              <a:t>12/28/2017</a:t>
+              <a:t>1/27/2018</a:t>
             </a:fld>
             <a:endParaRPr lang="en-US" dirty="0"/>
           </a:p>
@@ -4133,7 +4134,7 @@
           <a:ln/>
           <a:extLst>
             <a:ext uri="{91240B29-F687-4f45-9708-019B960494DF}">
-              <a14:hiddenLine xmlns:a14="http://schemas.microsoft.com/office/drawing/2010/main" xmlns="" w="9525">
+              <a14:hiddenLine xmlns="" xmlns:a14="http://schemas.microsoft.com/office/drawing/2010/main" w="9525">
                 <a:solidFill>
                   <a:srgbClr val="000000"/>
                 </a:solidFill>
@@ -4333,7 +4334,7 @@
             <a:fld id="{D0DF5E60-9974-AC48-9591-99C2BB44B7CF}" type="datetimeFigureOut">
               <a:rPr lang="en-US" dirty="0"/>
               <a:pPr/>
-              <a:t>12/28/2017</a:t>
+              <a:t>1/27/2018</a:t>
             </a:fld>
             <a:endParaRPr lang="en-US" dirty="0"/>
           </a:p>
@@ -4643,7 +4644,7 @@
             <a:fld id="{18C79C5D-2A6F-F04D-97DA-BEF2467B64E4}" type="datetimeFigureOut">
               <a:rPr lang="en-US" dirty="0"/>
               <a:pPr/>
-              <a:t>12/28/2017</a:t>
+              <a:t>1/27/2018</a:t>
             </a:fld>
             <a:endParaRPr lang="en-US" dirty="0"/>
           </a:p>
@@ -4910,7 +4911,7 @@
             <a:fld id="{09B482E8-6E0E-1B4F-B1FD-C69DB9E858D9}" type="datetimeFigureOut">
               <a:rPr lang="en-US" dirty="0"/>
               <a:pPr/>
-              <a:t>12/28/2017</a:t>
+              <a:t>1/27/2018</a:t>
             </a:fld>
             <a:endParaRPr lang="en-US" dirty="0"/>
           </a:p>
@@ -5431,6 +5432,390 @@
 </file>
 
 <file path=ppt/slides/slide10.xml><?xml version="1.0" encoding="utf-8"?>
+<p:sld xmlns:a="http://schemas.openxmlformats.org/drawingml/2006/main" xmlns:r="http://schemas.openxmlformats.org/officeDocument/2006/relationships" xmlns:p="http://schemas.openxmlformats.org/presentationml/2006/main" show="0">
+  <p:cSld>
+    <p:spTree>
+      <p:nvGrpSpPr>
+        <p:cNvPr id="1" name=""/>
+        <p:cNvGrpSpPr/>
+        <p:nvPr/>
+      </p:nvGrpSpPr>
+      <p:grpSpPr>
+        <a:xfrm>
+          <a:off x="0" y="0"/>
+          <a:ext cx="0" cy="0"/>
+          <a:chOff x="0" y="0"/>
+          <a:chExt cx="0" cy="0"/>
+        </a:xfrm>
+      </p:grpSpPr>
+      <p:sp>
+        <p:nvSpPr>
+          <p:cNvPr id="2" name="Titolo 1"/>
+          <p:cNvSpPr>
+            <a:spLocks noGrp="1"/>
+          </p:cNvSpPr>
+          <p:nvPr>
+            <p:ph type="title"/>
+          </p:nvPr>
+        </p:nvSpPr>
+        <p:spPr/>
+        <p:txBody>
+          <a:bodyPr/>
+          <a:lstStyle/>
+          <a:p>
+            <a:r>
+              <a:rPr lang="en-US" dirty="0" smtClean="0"/>
+              <a:t>Kernel Regularized Logistic Regression</a:t>
+            </a:r>
+            <a:endParaRPr lang="en-US" dirty="0"/>
+          </a:p>
+        </p:txBody>
+      </p:sp>
+      <mc:AlternateContent xmlns:mc="http://schemas.openxmlformats.org/markup-compatibility/2006" xmlns:a14="http://schemas.microsoft.com/office/drawing/2010/main">
+        <mc:Choice Requires="a14">
+          <p:sp>
+            <p:nvSpPr>
+              <p:cNvPr id="3" name="Segnaposto contenuto 2"/>
+              <p:cNvSpPr>
+                <a:spLocks noGrp="1"/>
+              </p:cNvSpPr>
+              <p:nvPr>
+                <p:ph idx="1"/>
+              </p:nvPr>
+            </p:nvSpPr>
+            <p:spPr/>
+            <p:txBody>
+              <a:bodyPr>
+                <a:normAutofit/>
+              </a:bodyPr>
+              <a:lstStyle/>
+              <a:p>
+                <a:r>
+                  <a:rPr lang="en-US" dirty="0" smtClean="0"/>
+                  <a:t>Gradient Descent optimization constrains:</a:t>
+                </a:r>
+              </a:p>
+              <a:p>
+                <a:pPr lvl="1"/>
+                <a14:m>
+                  <m:oMath xmlns:m="http://schemas.openxmlformats.org/officeDocument/2006/math">
+                    <m:sSub>
+                      <m:sSubPr>
+                        <m:ctrlPr>
+                          <a:rPr lang="en-US" i="1" smtClean="0">
+                            <a:latin typeface="Cambria Math" panose="02040503050406030204" pitchFamily="18" charset="0"/>
+                          </a:rPr>
+                        </m:ctrlPr>
+                      </m:sSubPr>
+                      <m:e>
+                        <m:r>
+                          <a:rPr lang="it-IT" b="0" i="1" smtClean="0">
+                            <a:latin typeface="Cambria Math" panose="02040503050406030204" pitchFamily="18" charset="0"/>
+                          </a:rPr>
+                          <m:t>|</m:t>
+                        </m:r>
+                        <m:r>
+                          <a:rPr lang="it-IT" b="0" i="1" smtClean="0">
+                            <a:latin typeface="Cambria Math" panose="02040503050406030204" pitchFamily="18" charset="0"/>
+                          </a:rPr>
+                          <m:t>𝐿𝑜𝑠𝑠</m:t>
+                        </m:r>
+                      </m:e>
+                      <m:sub>
+                        <m:r>
+                          <a:rPr lang="it-IT" b="0" i="1" smtClean="0">
+                            <a:latin typeface="Cambria Math" panose="02040503050406030204" pitchFamily="18" charset="0"/>
+                          </a:rPr>
+                          <m:t>𝑘</m:t>
+                        </m:r>
+                        <m:r>
+                          <a:rPr lang="it-IT" b="0" i="1" smtClean="0">
+                            <a:latin typeface="Cambria Math" panose="02040503050406030204" pitchFamily="18" charset="0"/>
+                          </a:rPr>
+                          <m:t>+1</m:t>
+                        </m:r>
+                      </m:sub>
+                    </m:sSub>
+                    <m:r>
+                      <a:rPr lang="it-IT" b="0" i="1" smtClean="0">
+                        <a:latin typeface="Cambria Math" panose="02040503050406030204" pitchFamily="18" charset="0"/>
+                      </a:rPr>
+                      <m:t>−</m:t>
+                    </m:r>
+                    <m:sSub>
+                      <m:sSubPr>
+                        <m:ctrlPr>
+                          <a:rPr lang="en-US" i="1">
+                            <a:latin typeface="Cambria Math" panose="02040503050406030204" pitchFamily="18" charset="0"/>
+                          </a:rPr>
+                        </m:ctrlPr>
+                      </m:sSubPr>
+                      <m:e>
+                        <m:r>
+                          <a:rPr lang="it-IT" b="0" i="1" smtClean="0">
+                            <a:latin typeface="Cambria Math" panose="02040503050406030204" pitchFamily="18" charset="0"/>
+                          </a:rPr>
+                          <m:t>𝐿𝑜𝑠𝑠</m:t>
+                        </m:r>
+                      </m:e>
+                      <m:sub>
+                        <m:r>
+                          <a:rPr lang="it-IT" i="1">
+                            <a:latin typeface="Cambria Math" panose="02040503050406030204" pitchFamily="18" charset="0"/>
+                          </a:rPr>
+                          <m:t>𝑘</m:t>
+                        </m:r>
+                      </m:sub>
+                    </m:sSub>
+                    <m:r>
+                      <a:rPr lang="it-IT" b="0" i="1" smtClean="0">
+                        <a:latin typeface="Cambria Math" panose="02040503050406030204" pitchFamily="18" charset="0"/>
+                      </a:rPr>
+                      <m:t>|&gt; </m:t>
+                    </m:r>
+                    <m:sSup>
+                      <m:sSupPr>
+                        <m:ctrlPr>
+                          <a:rPr lang="it-IT" b="0" i="1" smtClean="0">
+                            <a:latin typeface="Cambria Math" panose="02040503050406030204" pitchFamily="18" charset="0"/>
+                          </a:rPr>
+                        </m:ctrlPr>
+                      </m:sSupPr>
+                      <m:e>
+                        <m:r>
+                          <a:rPr lang="it-IT" b="0" i="1" smtClean="0">
+                            <a:latin typeface="Cambria Math" panose="02040503050406030204" pitchFamily="18" charset="0"/>
+                          </a:rPr>
+                          <m:t>10</m:t>
+                        </m:r>
+                      </m:e>
+                      <m:sup>
+                        <m:r>
+                          <a:rPr lang="it-IT" b="0" i="1" smtClean="0">
+                            <a:latin typeface="Cambria Math" panose="02040503050406030204" pitchFamily="18" charset="0"/>
+                          </a:rPr>
+                          <m:t>−6</m:t>
+                        </m:r>
+                      </m:sup>
+                    </m:sSup>
+                  </m:oMath>
+                </a14:m>
+                <a:endParaRPr lang="en-US" dirty="0" smtClean="0"/>
+              </a:p>
+              <a:p>
+                <a:pPr lvl="1"/>
+                <a:r>
+                  <a:rPr lang="en-US" dirty="0" smtClean="0"/>
+                  <a:t>Max iterations: </a:t>
+                </a:r>
+                <a:r>
+                  <a:rPr lang="en-US" dirty="0"/>
+                  <a:t>1</a:t>
+                </a:r>
+                <a:r>
+                  <a:rPr lang="en-US" dirty="0" smtClean="0"/>
+                  <a:t>000</a:t>
+                </a:r>
+              </a:p>
+              <a:p>
+                <a:r>
+                  <a:rPr lang="en-US" dirty="0" smtClean="0"/>
+                  <a:t>Seem not good result but:</a:t>
+                </a:r>
+              </a:p>
+              <a:p>
+                <a:pPr lvl="1"/>
+                <a:r>
+                  <a:rPr lang="en-US" dirty="0" smtClean="0"/>
+                  <a:t>Data are not “variance” normalized,</a:t>
+                </a:r>
+                <a:br>
+                  <a:rPr lang="en-US" dirty="0" smtClean="0"/>
+                </a:br>
+                <a:r>
+                  <a:rPr lang="en-US" dirty="0" smtClean="0"/>
+                  <a:t>features have different ranges</a:t>
+                </a:r>
+                <a:br>
+                  <a:rPr lang="en-US" dirty="0" smtClean="0"/>
+                </a:br>
+                <a:r>
+                  <a:rPr lang="en-US" dirty="0" smtClean="0"/>
+                  <a:t>-&gt; Gradient Descent doesn’t work well</a:t>
+                </a:r>
+              </a:p>
+              <a:p>
+                <a:r>
+                  <a:rPr lang="en-US" dirty="0" smtClean="0"/>
+                  <a:t>Augmenting our limits to </a:t>
+                </a:r>
+                <a14:m>
+                  <m:oMath xmlns:m="http://schemas.openxmlformats.org/officeDocument/2006/math">
+                    <m:sSup>
+                      <m:sSupPr>
+                        <m:ctrlPr>
+                          <a:rPr lang="en-US" i="1" smtClean="0">
+                            <a:latin typeface="Cambria Math" panose="02040503050406030204" pitchFamily="18" charset="0"/>
+                          </a:rPr>
+                        </m:ctrlPr>
+                      </m:sSupPr>
+                      <m:e>
+                        <m:r>
+                          <a:rPr lang="it-IT" b="0" i="1" smtClean="0">
+                            <a:latin typeface="Cambria Math" panose="02040503050406030204" pitchFamily="18" charset="0"/>
+                          </a:rPr>
+                          <m:t>10</m:t>
+                        </m:r>
+                      </m:e>
+                      <m:sup>
+                        <m:r>
+                          <a:rPr lang="it-IT" b="0" i="1" smtClean="0">
+                            <a:latin typeface="Cambria Math" panose="02040503050406030204" pitchFamily="18" charset="0"/>
+                          </a:rPr>
+                          <m:t>−8</m:t>
+                        </m:r>
+                      </m:sup>
+                    </m:sSup>
+                  </m:oMath>
+                </a14:m>
+                <a:r>
+                  <a:rPr lang="en-US" dirty="0" smtClean="0"/>
+                  <a:t>, max 10000 iterations</a:t>
+                </a:r>
+                <a:br>
+                  <a:rPr lang="en-US" dirty="0" smtClean="0"/>
+                </a:br>
+                <a:r>
+                  <a:rPr lang="en-US" dirty="0" smtClean="0"/>
+                  <a:t>considering a subset of only 1000 samples (for time reason)</a:t>
+                </a:r>
+                <a:br>
+                  <a:rPr lang="en-US" dirty="0" smtClean="0"/>
+                </a:br>
+                <a:r>
+                  <a:rPr lang="en-US" dirty="0" smtClean="0"/>
+                  <a:t>result seems better</a:t>
+                </a:r>
+              </a:p>
+            </p:txBody>
+          </p:sp>
+        </mc:Choice>
+        <mc:Fallback xmlns="">
+          <p:sp>
+            <p:nvSpPr>
+              <p:cNvPr id="3" name="Segnaposto contenuto 2"/>
+              <p:cNvSpPr>
+                <a:spLocks noGrp="1" noRot="1" noChangeAspect="1" noMove="1" noResize="1" noEditPoints="1" noAdjustHandles="1" noChangeArrowheads="1" noChangeShapeType="1" noTextEdit="1"/>
+              </p:cNvSpPr>
+              <p:nvPr>
+                <p:ph idx="1"/>
+              </p:nvPr>
+            </p:nvSpPr>
+            <p:spPr>
+              <a:blipFill rotWithShape="0">
+                <a:blip r:embed="rId2"/>
+                <a:stretch>
+                  <a:fillRect/>
+                </a:stretch>
+              </a:blipFill>
+            </p:spPr>
+            <p:txBody>
+              <a:bodyPr/>
+              <a:lstStyle/>
+              <a:p>
+                <a:r>
+                  <a:rPr lang="en-US">
+                    <a:noFill/>
+                  </a:rPr>
+                  <a:t> </a:t>
+                </a:r>
+              </a:p>
+            </p:txBody>
+          </p:sp>
+        </mc:Fallback>
+      </mc:AlternateContent>
+      <p:pic>
+        <p:nvPicPr>
+          <p:cNvPr id="4" name="Immagine 3"/>
+          <p:cNvPicPr>
+            <a:picLocks noChangeAspect="1"/>
+          </p:cNvPicPr>
+          <p:nvPr/>
+        </p:nvPicPr>
+        <p:blipFill>
+          <a:blip r:embed="rId3">
+            <a:extLst>
+              <a:ext uri="{28A0092B-C50C-407E-A947-70E740481C1C}">
+                <a14:useLocalDpi xmlns:a14="http://schemas.microsoft.com/office/drawing/2010/main" val="0"/>
+              </a:ext>
+            </a:extLst>
+          </a:blip>
+          <a:stretch>
+            <a:fillRect/>
+          </a:stretch>
+        </p:blipFill>
+        <p:spPr>
+          <a:xfrm>
+            <a:off x="7757546" y="1417638"/>
+            <a:ext cx="3948170" cy="2961127"/>
+          </a:xfrm>
+          <a:prstGeom prst="rect">
+            <a:avLst/>
+          </a:prstGeom>
+        </p:spPr>
+      </p:pic>
+      <p:pic>
+        <p:nvPicPr>
+          <p:cNvPr id="6" name="Immagine 5"/>
+          <p:cNvPicPr>
+            <a:picLocks noChangeAspect="1"/>
+          </p:cNvPicPr>
+          <p:nvPr/>
+        </p:nvPicPr>
+        <p:blipFill>
+          <a:blip r:embed="rId4">
+            <a:extLst>
+              <a:ext uri="{28A0092B-C50C-407E-A947-70E740481C1C}">
+                <a14:useLocalDpi xmlns:a14="http://schemas.microsoft.com/office/drawing/2010/main" val="0"/>
+              </a:ext>
+            </a:extLst>
+          </a:blip>
+          <a:stretch>
+            <a:fillRect/>
+          </a:stretch>
+        </p:blipFill>
+        <p:spPr>
+          <a:xfrm>
+            <a:off x="7847017" y="4091664"/>
+            <a:ext cx="3858699" cy="2890729"/>
+          </a:xfrm>
+          <a:prstGeom prst="rect">
+            <a:avLst/>
+          </a:prstGeom>
+        </p:spPr>
+      </p:pic>
+    </p:spTree>
+    <p:extLst>
+      <p:ext uri="{BB962C8B-B14F-4D97-AF65-F5344CB8AC3E}">
+        <p14:creationId xmlns:p14="http://schemas.microsoft.com/office/powerpoint/2010/main" val="574318404"/>
+      </p:ext>
+    </p:extLst>
+  </p:cSld>
+  <p:clrMapOvr>
+    <a:masterClrMapping/>
+  </p:clrMapOvr>
+  <mc:AlternateContent xmlns:mc="http://schemas.openxmlformats.org/markup-compatibility/2006">
+    <mc:Choice xmlns:p14="http://schemas.microsoft.com/office/powerpoint/2010/main" Requires="p14">
+      <p:transition spd="slow" p14:dur="2000"/>
+    </mc:Choice>
+    <mc:Fallback>
+      <p:transition spd="slow"/>
+    </mc:Fallback>
+  </mc:AlternateContent>
+</p:sld>
+</file>
+
+<file path=ppt/slides/slide11.xml><?xml version="1.0" encoding="utf-8"?>
 <p:sld xmlns:a="http://schemas.openxmlformats.org/drawingml/2006/main" xmlns:r="http://schemas.openxmlformats.org/officeDocument/2006/relationships" xmlns:p="http://schemas.openxmlformats.org/presentationml/2006/main">
   <p:cSld>
     <p:spTree>
@@ -5464,14 +5849,14 @@
           <a:p>
             <a:r>
               <a:rPr lang="it-IT" dirty="0" smtClean="0"/>
-              <a:t>KLR &amp; PCA: Experiment</a:t>
+              <a:t>KRLS &amp; PCA: Experiment</a:t>
             </a:r>
             <a:endParaRPr lang="en-US" dirty="0"/>
           </a:p>
         </p:txBody>
       </p:sp>
-      <mc:AlternateContent xmlns:mc="http://schemas.openxmlformats.org/markup-compatibility/2006" xmlns:a14="http://schemas.microsoft.com/office/drawing/2010/main">
-        <mc:Choice Requires="a14">
+      <mc:AlternateContent xmlns:mc="http://schemas.openxmlformats.org/markup-compatibility/2006">
+        <mc:Choice xmlns:a14="http://schemas.microsoft.com/office/drawing/2010/main" Requires="a14">
           <p:sp>
             <p:nvSpPr>
               <p:cNvPr id="3" name="Segnaposto contenuto 2"/>
@@ -5700,7 +6085,7 @@
               <a:p>
                 <a:r>
                   <a:rPr lang="en-US" dirty="0" smtClean="0"/>
-                  <a:t>Computation point of view</a:t>
+                  <a:t>Computation:</a:t>
                 </a:r>
               </a:p>
               <a:p>
@@ -5714,7 +6099,11 @@
                 <a:pPr lvl="1"/>
                 <a:r>
                   <a:rPr lang="en-US" dirty="0" smtClean="0"/>
-                  <a:t>Kernel matrix computed only once for each PCA</a:t>
+                  <a:t>Kernel </a:t>
+                </a:r>
+                <a:r>
+                  <a:rPr lang="en-US" dirty="0" smtClean="0"/>
+                  <a:t>matrix computed only once for each PCA</a:t>
                 </a:r>
               </a:p>
               <a:p>
@@ -5730,7 +6119,7 @@
             </p:txBody>
           </p:sp>
         </mc:Choice>
-        <mc:Fallback xmlns="">
+        <mc:Fallback>
           <p:sp>
             <p:nvSpPr>
               <p:cNvPr id="3" name="Segnaposto contenuto 2"/>
@@ -5777,7 +6166,7 @@
 </p:sld>
 </file>
 
-<file path=ppt/slides/slide11.xml><?xml version="1.0" encoding="utf-8"?>
+<file path=ppt/slides/slide12.xml><?xml version="1.0" encoding="utf-8"?>
 <p:sld xmlns:a="http://schemas.openxmlformats.org/drawingml/2006/main" xmlns:r="http://schemas.openxmlformats.org/officeDocument/2006/relationships" xmlns:p="http://schemas.openxmlformats.org/presentationml/2006/main">
   <p:cSld>
     <p:spTree>
@@ -5811,7 +6200,7 @@
           <a:p>
             <a:r>
               <a:rPr lang="en-US" dirty="0" smtClean="0"/>
-              <a:t>KLR &amp; PCA: Results</a:t>
+              <a:t>KRLS &amp; PCA: Results</a:t>
             </a:r>
             <a:endParaRPr lang="en-US" dirty="0"/>
           </a:p>
@@ -5869,7 +6258,7 @@
         </p:blipFill>
         <p:spPr>
           <a:xfrm>
-            <a:off x="473804" y="2250732"/>
+            <a:off x="473804" y="2258970"/>
             <a:ext cx="5358585" cy="3753336"/>
           </a:xfrm>
           <a:prstGeom prst="rect">
@@ -5885,7 +6274,7 @@
         </p:nvSpPr>
         <p:spPr>
           <a:xfrm rot="-540000">
-            <a:off x="2300542" y="3825550"/>
+            <a:off x="2295812" y="3841706"/>
             <a:ext cx="2487827" cy="307777"/>
           </a:xfrm>
           <a:prstGeom prst="rect">
@@ -5913,13 +6302,16 @@
                   <a:schemeClr val="bg1"/>
                 </a:solidFill>
               </a:rPr>
-              <a:t> features decreases</a:t>
-            </a:r>
-            <a:endParaRPr lang="en-US" sz="1400" dirty="0">
-              <a:solidFill>
-                <a:schemeClr val="bg1"/>
-              </a:solidFill>
-            </a:endParaRPr>
+              <a:t> features </a:t>
+            </a:r>
+            <a:r>
+              <a:rPr lang="en-US" sz="1400" dirty="0" smtClean="0">
+                <a:solidFill>
+                  <a:schemeClr val="bg1"/>
+                </a:solidFill>
+              </a:rPr>
+              <a:t>decreases</a:t>
+            </a:r>
           </a:p>
         </p:txBody>
       </p:sp>
@@ -5936,7 +6328,7 @@
 </p:sld>
 </file>
 
-<file path=ppt/slides/slide12.xml><?xml version="1.0" encoding="utf-8"?>
+<file path=ppt/slides/slide13.xml><?xml version="1.0" encoding="utf-8"?>
 <p:sld xmlns:a="http://schemas.openxmlformats.org/drawingml/2006/main" xmlns:r="http://schemas.openxmlformats.org/officeDocument/2006/relationships" xmlns:p="http://schemas.openxmlformats.org/presentationml/2006/main">
   <p:cSld>
     <p:spTree>
@@ -6052,7 +6444,7 @@
             <a:pPr lvl="1"/>
             <a:r>
               <a:rPr lang="en-US" dirty="0" smtClean="0"/>
-              <a:t>Here we see that KLR is more flexible with </a:t>
+              <a:t>Here we see that KRLS is more flexible with </a:t>
             </a:r>
             <a:r>
               <a:rPr lang="en-US" dirty="0" err="1" smtClean="0"/>
@@ -6298,73 +6690,18 @@
           <a:p>
             <a:r>
               <a:rPr lang="it-IT" dirty="0" err="1" smtClean="0"/>
-              <a:t>Regularized</a:t>
+              <a:t>Classification</a:t>
             </a:r>
             <a:r>
               <a:rPr lang="it-IT" dirty="0" smtClean="0"/>
-              <a:t> </a:t>
-            </a:r>
-            <a:r>
-              <a:rPr lang="it-IT" dirty="0" err="1" smtClean="0"/>
-              <a:t>Least</a:t>
-            </a:r>
+              <a:t>: RLS, KRLS, KRLR</a:t>
+            </a:r>
+            <a:endParaRPr lang="it-IT" dirty="0" smtClean="0"/>
+          </a:p>
+          <a:p>
             <a:r>
               <a:rPr lang="it-IT" dirty="0" smtClean="0"/>
-              <a:t> </a:t>
-            </a:r>
-            <a:r>
-              <a:rPr lang="it-IT" dirty="0" err="1" smtClean="0"/>
-              <a:t>Squares</a:t>
-            </a:r>
-            <a:endParaRPr lang="it-IT" dirty="0" smtClean="0"/>
-          </a:p>
-          <a:p>
-            <a:r>
-              <a:rPr lang="it-IT" dirty="0" err="1" smtClean="0"/>
-              <a:t>Kernel</a:t>
-            </a:r>
-            <a:r>
-              <a:rPr lang="it-IT" dirty="0" smtClean="0"/>
-              <a:t> </a:t>
-            </a:r>
-            <a:r>
-              <a:rPr lang="it-IT" dirty="0" err="1" smtClean="0"/>
-              <a:t>Logistic</a:t>
-            </a:r>
-            <a:r>
-              <a:rPr lang="it-IT" dirty="0" smtClean="0"/>
-              <a:t> </a:t>
-            </a:r>
-            <a:r>
-              <a:rPr lang="it-IT" dirty="0" err="1" smtClean="0"/>
-              <a:t>Regression</a:t>
-            </a:r>
-            <a:endParaRPr lang="it-IT" dirty="0" smtClean="0"/>
-          </a:p>
-          <a:p>
-            <a:r>
-              <a:rPr lang="it-IT" dirty="0" err="1" smtClean="0"/>
-              <a:t>Kernel</a:t>
-            </a:r>
-            <a:r>
-              <a:rPr lang="it-IT" dirty="0" smtClean="0"/>
-              <a:t> </a:t>
-            </a:r>
-            <a:r>
-              <a:rPr lang="it-IT" dirty="0" err="1" smtClean="0"/>
-              <a:t>Logistic</a:t>
-            </a:r>
-            <a:r>
-              <a:rPr lang="it-IT" dirty="0" smtClean="0"/>
-              <a:t> </a:t>
-            </a:r>
-            <a:r>
-              <a:rPr lang="it-IT" dirty="0" err="1" smtClean="0"/>
-              <a:t>Regression</a:t>
-            </a:r>
-            <a:r>
-              <a:rPr lang="it-IT" dirty="0" smtClean="0"/>
-              <a:t> &amp; PCA</a:t>
+              <a:t>RLS &amp; KRLS with PCA</a:t>
             </a:r>
             <a:endParaRPr lang="it-IT" dirty="0"/>
           </a:p>
@@ -7212,8 +7549,8 @@
           </a:p>
         </p:txBody>
       </p:sp>
-      <mc:AlternateContent xmlns:mc="http://schemas.openxmlformats.org/markup-compatibility/2006">
-        <mc:Choice xmlns:a14="http://schemas.microsoft.com/office/drawing/2010/main" Requires="a14">
+      <mc:AlternateContent xmlns:mc="http://schemas.openxmlformats.org/markup-compatibility/2006" xmlns:a14="http://schemas.microsoft.com/office/drawing/2010/main">
+        <mc:Choice Requires="a14">
           <p:sp>
             <p:nvSpPr>
               <p:cNvPr id="3" name="Segnaposto contenuto 2"/>
@@ -7318,7 +7655,7 @@
             </p:txBody>
           </p:sp>
         </mc:Choice>
-        <mc:Fallback>
+        <mc:Fallback xmlns="">
           <p:sp>
             <p:nvSpPr>
               <p:cNvPr id="3" name="Segnaposto contenuto 2"/>
@@ -7435,8 +7772,8 @@
           </a:p>
         </p:txBody>
       </p:sp>
-      <mc:AlternateContent xmlns:mc="http://schemas.openxmlformats.org/markup-compatibility/2006" xmlns:a14="http://schemas.microsoft.com/office/drawing/2010/main">
-        <mc:Choice Requires="a14">
+      <mc:AlternateContent xmlns:mc="http://schemas.openxmlformats.org/markup-compatibility/2006">
+        <mc:Choice xmlns:a14="http://schemas.microsoft.com/office/drawing/2010/main" Requires="a14">
           <p:sp>
             <p:nvSpPr>
               <p:cNvPr id="5" name="Segnaposto contenuto 4"/>
@@ -7731,7 +8068,11 @@
               <a:p>
                 <a:r>
                   <a:rPr lang="en-US" dirty="0" smtClean="0"/>
-                  <a:t>First PCA direction should maximize the variance</a:t>
+                  <a:t>PCA should </a:t>
+                </a:r>
+                <a:r>
+                  <a:rPr lang="en-US" dirty="0" smtClean="0"/>
+                  <a:t>maximize the variance</a:t>
                 </a:r>
                 <a:br>
                   <a:rPr lang="en-US" dirty="0" smtClean="0"/>
@@ -8055,7 +8396,7 @@
             </p:txBody>
           </p:sp>
         </mc:Choice>
-        <mc:Fallback xmlns="">
+        <mc:Fallback>
           <p:sp>
             <p:nvSpPr>
               <p:cNvPr id="5" name="Segnaposto contenuto 4"/>
@@ -8145,8 +8486,8 @@
         </p:blipFill>
         <p:spPr>
           <a:xfrm>
-            <a:off x="6449228" y="914401"/>
-            <a:ext cx="5558109" cy="2453360"/>
+            <a:off x="5536933" y="447188"/>
+            <a:ext cx="6453930" cy="2848777"/>
           </a:xfrm>
           <a:prstGeom prst="rect">
             <a:avLst/>
@@ -8482,35 +8823,6 @@
       </p:sp>
       <p:pic>
         <p:nvPicPr>
-          <p:cNvPr id="4" name="Segnaposto contenuto 3"/>
-          <p:cNvPicPr>
-            <a:picLocks noGrp="1" noChangeAspect="1"/>
-          </p:cNvPicPr>
-          <p:nvPr>
-            <p:ph idx="1"/>
-          </p:nvPr>
-        </p:nvPicPr>
-        <p:blipFill>
-          <a:blip r:embed="rId2">
-            <a:extLst>
-              <a:ext uri="{28A0092B-C50C-407E-A947-70E740481C1C}">
-                <a14:useLocalDpi xmlns:a14="http://schemas.microsoft.com/office/drawing/2010/main" val="0"/>
-              </a:ext>
-            </a:extLst>
-          </a:blip>
-          <a:stretch>
-            <a:fillRect/>
-          </a:stretch>
-        </p:blipFill>
-        <p:spPr>
-          <a:xfrm>
-            <a:off x="5793502" y="2074827"/>
-            <a:ext cx="6107869" cy="4517804"/>
-          </a:xfrm>
-        </p:spPr>
-      </p:pic>
-      <p:pic>
-        <p:nvPicPr>
           <p:cNvPr id="12" name="Immagine 11"/>
           <p:cNvPicPr>
             <a:picLocks noChangeAspect="1"/>
@@ -8518,7 +8830,7 @@
           <p:nvPr/>
         </p:nvPicPr>
         <p:blipFill>
-          <a:blip r:embed="rId3">
+          <a:blip r:embed="rId2">
             <a:extLst>
               <a:ext uri="{28A0092B-C50C-407E-A947-70E740481C1C}">
                 <a14:useLocalDpi xmlns:a14="http://schemas.microsoft.com/office/drawing/2010/main" val="0"/>
@@ -8825,6 +9137,35 @@
           </p:sp>
         </mc:Fallback>
       </mc:AlternateContent>
+      <p:pic>
+        <p:nvPicPr>
+          <p:cNvPr id="6" name="Segnaposto contenuto 5"/>
+          <p:cNvPicPr>
+            <a:picLocks noGrp="1" noChangeAspect="1"/>
+          </p:cNvPicPr>
+          <p:nvPr>
+            <p:ph idx="1"/>
+          </p:nvPr>
+        </p:nvPicPr>
+        <p:blipFill>
+          <a:blip r:embed="rId5">
+            <a:extLst>
+              <a:ext uri="{28A0092B-C50C-407E-A947-70E740481C1C}">
+                <a14:useLocalDpi xmlns:a14="http://schemas.microsoft.com/office/drawing/2010/main" val="0"/>
+              </a:ext>
+            </a:extLst>
+          </a:blip>
+          <a:stretch>
+            <a:fillRect/>
+          </a:stretch>
+        </p:blipFill>
+        <p:spPr>
+          <a:xfrm>
+            <a:off x="5297843" y="1978222"/>
+            <a:ext cx="6830704" cy="4516051"/>
+          </a:xfrm>
+        </p:spPr>
+      </p:pic>
     </p:spTree>
     <p:extLst>
       <p:ext uri="{BB962C8B-B14F-4D97-AF65-F5344CB8AC3E}">
@@ -8880,15 +9221,23 @@
             </a:r>
             <a:r>
               <a:rPr lang="it-IT" dirty="0" err="1"/>
-              <a:t>Logistic</a:t>
+              <a:t>Regularized</a:t>
             </a:r>
             <a:r>
               <a:rPr lang="it-IT" dirty="0"/>
               <a:t> </a:t>
             </a:r>
             <a:r>
-              <a:rPr lang="it-IT" dirty="0" err="1" smtClean="0"/>
-              <a:t>Regression</a:t>
+              <a:rPr lang="it-IT" dirty="0" err="1"/>
+              <a:t>Least</a:t>
+            </a:r>
+            <a:r>
+              <a:rPr lang="it-IT" dirty="0"/>
+              <a:t> </a:t>
+            </a:r>
+            <a:r>
+              <a:rPr lang="it-IT" dirty="0" err="1"/>
+              <a:t>Squares</a:t>
             </a:r>
             <a:endParaRPr lang="en-US" dirty="0"/>
           </a:p>
@@ -9123,6 +9472,34 @@
                   <a:rPr lang="en-US" dirty="0" smtClean="0"/>
                   <a:t>at the beginning</a:t>
                 </a:r>
+              </a:p>
+              <a:p>
+                <a:r>
+                  <a:rPr lang="en-US" dirty="0" smtClean="0"/>
+                  <a:t>with small </a:t>
+                </a:r>
+                <a14:m>
+                  <m:oMath xmlns:m="http://schemas.openxmlformats.org/officeDocument/2006/math">
+                    <m:r>
+                      <a:rPr lang="en-US" i="1" smtClean="0">
+                        <a:latin typeface="Cambria Math" panose="02040503050406030204" pitchFamily="18" charset="0"/>
+                        <a:ea typeface="Cambria Math" panose="02040503050406030204" pitchFamily="18" charset="0"/>
+                      </a:rPr>
+                      <m:t>𝜆</m:t>
+                    </m:r>
+                    <m:r>
+                      <a:rPr lang="it-IT" b="0" i="0" smtClean="0">
+                        <a:latin typeface="Cambria Math" panose="02040503050406030204" pitchFamily="18" charset="0"/>
+                        <a:ea typeface="Cambria Math" panose="02040503050406030204" pitchFamily="18" charset="0"/>
+                      </a:rPr>
+                      <m:t> </m:t>
+                    </m:r>
+                  </m:oMath>
+                </a14:m>
+                <a:r>
+                  <a:rPr lang="en-US" dirty="0" smtClean="0"/>
+                  <a:t> the result is better than RLS</a:t>
+                </a:r>
                 <a:endParaRPr lang="en-US" dirty="0"/>
               </a:p>
             </p:txBody>
@@ -9164,7 +9541,7 @@
       </mc:AlternateContent>
       <p:pic>
         <p:nvPicPr>
-          <p:cNvPr id="4" name="Immagine 3"/>
+          <p:cNvPr id="6" name="Immagine 5"/>
           <p:cNvPicPr>
             <a:picLocks noChangeAspect="1"/>
           </p:cNvPicPr>
@@ -9184,8 +9561,8 @@
         </p:blipFill>
         <p:spPr>
           <a:xfrm>
-            <a:off x="6485238" y="2040292"/>
-            <a:ext cx="5334000" cy="4000500"/>
+            <a:off x="6327431" y="2222287"/>
+            <a:ext cx="5710158" cy="4021345"/>
           </a:xfrm>
           <a:prstGeom prst="rect">
             <a:avLst/>

--- a/Presentazione.pptx
+++ b/Presentazione.pptx
@@ -219,7 +219,7 @@
           <a:effectLst/>
           <a:extLst>
             <a:ext uri="{91240B29-F687-4f45-9708-019B960494DF}">
-              <a14:hiddenLine xmlns="" xmlns:a14="http://schemas.microsoft.com/office/drawing/2010/main" w="9525">
+              <a14:hiddenLine xmlns:a14="http://schemas.microsoft.com/office/drawing/2010/main" xmlns="" w="9525">
                 <a:solidFill>
                   <a:srgbClr val="000000"/>
                 </a:solidFill>
@@ -1729,7 +1729,7 @@
           <a:ln/>
           <a:extLst>
             <a:ext uri="{91240B29-F687-4f45-9708-019B960494DF}">
-              <a14:hiddenLine xmlns="" xmlns:a14="http://schemas.microsoft.com/office/drawing/2010/main" w="9525">
+              <a14:hiddenLine xmlns:a14="http://schemas.microsoft.com/office/drawing/2010/main" xmlns="" w="9525">
                 <a:solidFill>
                   <a:srgbClr val="000000"/>
                 </a:solidFill>
@@ -2001,7 +2001,7 @@
           <a:ln/>
           <a:extLst>
             <a:ext uri="{91240B29-F687-4f45-9708-019B960494DF}">
-              <a14:hiddenLine xmlns="" xmlns:a14="http://schemas.microsoft.com/office/drawing/2010/main" w="9525">
+              <a14:hiddenLine xmlns:a14="http://schemas.microsoft.com/office/drawing/2010/main" xmlns="" w="9525">
                 <a:solidFill>
                   <a:srgbClr val="000000"/>
                 </a:solidFill>
@@ -2281,7 +2281,7 @@
           <a:ln/>
           <a:extLst>
             <a:ext uri="{91240B29-F687-4f45-9708-019B960494DF}">
-              <a14:hiddenLine xmlns="" xmlns:a14="http://schemas.microsoft.com/office/drawing/2010/main" w="9525">
+              <a14:hiddenLine xmlns:a14="http://schemas.microsoft.com/office/drawing/2010/main" xmlns="" w="9525">
                 <a:solidFill>
                   <a:srgbClr val="000000"/>
                 </a:solidFill>
@@ -2901,7 +2901,7 @@
           <a:ln/>
           <a:extLst>
             <a:ext uri="{91240B29-F687-4f45-9708-019B960494DF}">
-              <a14:hiddenLine xmlns="" xmlns:a14="http://schemas.microsoft.com/office/drawing/2010/main" w="9525">
+              <a14:hiddenLine xmlns:a14="http://schemas.microsoft.com/office/drawing/2010/main" xmlns="" w="9525">
                 <a:solidFill>
                   <a:srgbClr val="000000"/>
                 </a:solidFill>
@@ -3237,7 +3237,7 @@
           <a:ln/>
           <a:extLst>
             <a:ext uri="{91240B29-F687-4f45-9708-019B960494DF}">
-              <a14:hiddenLine xmlns="" xmlns:a14="http://schemas.microsoft.com/office/drawing/2010/main" w="9525">
+              <a14:hiddenLine xmlns:a14="http://schemas.microsoft.com/office/drawing/2010/main" xmlns="" w="9525">
                 <a:solidFill>
                   <a:srgbClr val="000000"/>
                 </a:solidFill>
@@ -3711,7 +3711,7 @@
           <a:ln/>
           <a:extLst>
             <a:ext uri="{91240B29-F687-4f45-9708-019B960494DF}">
-              <a14:hiddenLine xmlns="" xmlns:a14="http://schemas.microsoft.com/office/drawing/2010/main" w="9525">
+              <a14:hiddenLine xmlns:a14="http://schemas.microsoft.com/office/drawing/2010/main" xmlns="" w="9525">
                 <a:solidFill>
                   <a:srgbClr val="000000"/>
                 </a:solidFill>
@@ -4134,7 +4134,7 @@
           <a:ln/>
           <a:extLst>
             <a:ext uri="{91240B29-F687-4f45-9708-019B960494DF}">
-              <a14:hiddenLine xmlns="" xmlns:a14="http://schemas.microsoft.com/office/drawing/2010/main" w="9525">
+              <a14:hiddenLine xmlns:a14="http://schemas.microsoft.com/office/drawing/2010/main" xmlns="" w="9525">
                 <a:solidFill>
                   <a:srgbClr val="000000"/>
                 </a:solidFill>
@@ -5428,11 +5428,18 @@
   <p:clrMapOvr>
     <a:masterClrMapping/>
   </p:clrMapOvr>
+  <p:timing>
+    <p:tnLst>
+      <p:par>
+        <p:cTn id="1" dur="indefinite" restart="never" nodeType="tmRoot"/>
+      </p:par>
+    </p:tnLst>
+  </p:timing>
 </p:sld>
 </file>
 
 <file path=ppt/slides/slide10.xml><?xml version="1.0" encoding="utf-8"?>
-<p:sld xmlns:a="http://schemas.openxmlformats.org/drawingml/2006/main" xmlns:r="http://schemas.openxmlformats.org/officeDocument/2006/relationships" xmlns:p="http://schemas.openxmlformats.org/presentationml/2006/main" show="0">
+<p:sld xmlns:a="http://schemas.openxmlformats.org/drawingml/2006/main" xmlns:r="http://schemas.openxmlformats.org/officeDocument/2006/relationships" xmlns:p="http://schemas.openxmlformats.org/presentationml/2006/main">
   <p:cSld>
     <p:spTree>
       <p:nvGrpSpPr>
@@ -5812,6 +5819,13 @@
       <p:transition spd="slow"/>
     </mc:Fallback>
   </mc:AlternateContent>
+  <p:timing>
+    <p:tnLst>
+      <p:par>
+        <p:cTn id="1" dur="indefinite" restart="never" nodeType="tmRoot"/>
+      </p:par>
+    </p:tnLst>
+  </p:timing>
 </p:sld>
 </file>
 
@@ -5855,8 +5869,8 @@
           </a:p>
         </p:txBody>
       </p:sp>
-      <mc:AlternateContent xmlns:mc="http://schemas.openxmlformats.org/markup-compatibility/2006">
-        <mc:Choice xmlns:a14="http://schemas.microsoft.com/office/drawing/2010/main" Requires="a14">
+      <mc:AlternateContent xmlns:mc="http://schemas.openxmlformats.org/markup-compatibility/2006" xmlns:a14="http://schemas.microsoft.com/office/drawing/2010/main">
+        <mc:Choice Requires="a14">
           <p:sp>
             <p:nvSpPr>
               <p:cNvPr id="3" name="Segnaposto contenuto 2"/>
@@ -6099,11 +6113,7 @@
                 <a:pPr lvl="1"/>
                 <a:r>
                   <a:rPr lang="en-US" dirty="0" smtClean="0"/>
-                  <a:t>Kernel </a:t>
-                </a:r>
-                <a:r>
-                  <a:rPr lang="en-US" dirty="0" smtClean="0"/>
-                  <a:t>matrix computed only once for each PCA</a:t>
+                  <a:t>Kernel matrix computed only once for each PCA</a:t>
                 </a:r>
               </a:p>
               <a:p>
@@ -6119,7 +6129,7 @@
             </p:txBody>
           </p:sp>
         </mc:Choice>
-        <mc:Fallback>
+        <mc:Fallback xmlns="">
           <p:sp>
             <p:nvSpPr>
               <p:cNvPr id="3" name="Segnaposto contenuto 2"/>
@@ -6163,6 +6173,13 @@
   <p:clrMapOvr>
     <a:masterClrMapping/>
   </p:clrMapOvr>
+  <p:timing>
+    <p:tnLst>
+      <p:par>
+        <p:cTn id="1" dur="indefinite" restart="never" nodeType="tmRoot"/>
+      </p:par>
+    </p:tnLst>
+  </p:timing>
 </p:sld>
 </file>
 
@@ -6302,15 +6319,7 @@
                   <a:schemeClr val="bg1"/>
                 </a:solidFill>
               </a:rPr>
-              <a:t> features </a:t>
-            </a:r>
-            <a:r>
-              <a:rPr lang="en-US" sz="1400" dirty="0" smtClean="0">
-                <a:solidFill>
-                  <a:schemeClr val="bg1"/>
-                </a:solidFill>
-              </a:rPr>
-              <a:t>decreases</a:t>
+              <a:t> features decreases</a:t>
             </a:r>
           </a:p>
         </p:txBody>
@@ -6325,6 +6334,13 @@
   <p:clrMapOvr>
     <a:masterClrMapping/>
   </p:clrMapOvr>
+  <p:timing>
+    <p:tnLst>
+      <p:par>
+        <p:cTn id="1" dur="indefinite" restart="never" nodeType="tmRoot"/>
+      </p:par>
+    </p:tnLst>
+  </p:timing>
 </p:sld>
 </file>
 
@@ -6582,6 +6598,13 @@
   <p:clrMapOvr>
     <a:masterClrMapping/>
   </p:clrMapOvr>
+  <p:timing>
+    <p:tnLst>
+      <p:par>
+        <p:cTn id="1" dur="indefinite" restart="never" nodeType="tmRoot"/>
+      </p:par>
+    </p:tnLst>
+  </p:timing>
 </p:sld>
 </file>
 
@@ -6696,7 +6719,6 @@
               <a:rPr lang="it-IT" dirty="0" smtClean="0"/>
               <a:t>: RLS, KRLS, KRLR</a:t>
             </a:r>
-            <a:endParaRPr lang="it-IT" dirty="0" smtClean="0"/>
           </a:p>
           <a:p>
             <a:r>
@@ -6717,6 +6739,13 @@
   <p:clrMapOvr>
     <a:masterClrMapping/>
   </p:clrMapOvr>
+  <p:timing>
+    <p:tnLst>
+      <p:par>
+        <p:cTn id="1" dur="indefinite" restart="never" nodeType="tmRoot"/>
+      </p:par>
+    </p:tnLst>
+  </p:timing>
 </p:sld>
 </file>
 
@@ -7033,6 +7062,13 @@
   <p:clrMapOvr>
     <a:masterClrMapping/>
   </p:clrMapOvr>
+  <p:timing>
+    <p:tnLst>
+      <p:par>
+        <p:cTn id="1" dur="indefinite" restart="never" nodeType="tmRoot"/>
+      </p:par>
+    </p:tnLst>
+  </p:timing>
 </p:sld>
 </file>
 
@@ -7506,6 +7542,13 @@
   <p:clrMapOvr>
     <a:masterClrMapping/>
   </p:clrMapOvr>
+  <p:timing>
+    <p:tnLst>
+      <p:par>
+        <p:cTn id="1" dur="indefinite" restart="never" nodeType="tmRoot"/>
+      </p:par>
+    </p:tnLst>
+  </p:timing>
 </p:sld>
 </file>
 
@@ -7729,6 +7772,13 @@
   <p:clrMapOvr>
     <a:masterClrMapping/>
   </p:clrMapOvr>
+  <p:timing>
+    <p:tnLst>
+      <p:par>
+        <p:cTn id="1" dur="indefinite" restart="never" nodeType="tmRoot"/>
+      </p:par>
+    </p:tnLst>
+  </p:timing>
 </p:sld>
 </file>
 
@@ -7772,8 +7822,8 @@
           </a:p>
         </p:txBody>
       </p:sp>
-      <mc:AlternateContent xmlns:mc="http://schemas.openxmlformats.org/markup-compatibility/2006">
-        <mc:Choice xmlns:a14="http://schemas.microsoft.com/office/drawing/2010/main" Requires="a14">
+      <mc:AlternateContent xmlns:mc="http://schemas.openxmlformats.org/markup-compatibility/2006" xmlns:a14="http://schemas.microsoft.com/office/drawing/2010/main">
+        <mc:Choice Requires="a14">
           <p:sp>
             <p:nvSpPr>
               <p:cNvPr id="5" name="Segnaposto contenuto 4"/>
@@ -8068,11 +8118,7 @@
               <a:p>
                 <a:r>
                   <a:rPr lang="en-US" dirty="0" smtClean="0"/>
-                  <a:t>PCA should </a:t>
-                </a:r>
-                <a:r>
-                  <a:rPr lang="en-US" dirty="0" smtClean="0"/>
-                  <a:t>maximize the variance</a:t>
+                  <a:t>PCA should maximize the variance</a:t>
                 </a:r>
                 <a:br>
                   <a:rPr lang="en-US" dirty="0" smtClean="0"/>
@@ -8396,7 +8442,7 @@
             </p:txBody>
           </p:sp>
         </mc:Choice>
-        <mc:Fallback>
+        <mc:Fallback xmlns="">
           <p:sp>
             <p:nvSpPr>
               <p:cNvPr id="5" name="Segnaposto contenuto 4"/>
@@ -8504,6 +8550,13 @@
   <p:clrMapOvr>
     <a:masterClrMapping/>
   </p:clrMapOvr>
+  <p:timing>
+    <p:tnLst>
+      <p:par>
+        <p:cTn id="1" dur="indefinite" restart="never" nodeType="tmRoot"/>
+      </p:par>
+    </p:tnLst>
+  </p:timing>
 </p:sld>
 </file>
 
@@ -8762,6 +8815,13 @@
   <p:clrMapOvr>
     <a:masterClrMapping/>
   </p:clrMapOvr>
+  <p:timing>
+    <p:tnLst>
+      <p:par>
+        <p:cTn id="1" dur="indefinite" restart="never" nodeType="tmRoot"/>
+      </p:par>
+    </p:tnLst>
+  </p:timing>
 </p:sld>
 </file>
 
@@ -9176,6 +9236,13 @@
   <p:clrMapOvr>
     <a:masterClrMapping/>
   </p:clrMapOvr>
+  <p:timing>
+    <p:tnLst>
+      <p:par>
+        <p:cTn id="1" dur="indefinite" restart="never" nodeType="tmRoot"/>
+      </p:par>
+    </p:tnLst>
+  </p:timing>
 </p:sld>
 </file>
 
@@ -9579,6 +9646,13 @@
   <p:clrMapOvr>
     <a:masterClrMapping/>
   </p:clrMapOvr>
+  <p:timing>
+    <p:tnLst>
+      <p:par>
+        <p:cTn id="1" dur="indefinite" restart="never" nodeType="tmRoot"/>
+      </p:par>
+    </p:tnLst>
+  </p:timing>
 </p:sld>
 </file>
 

--- a/Presentazione.pptx
+++ b/Presentazione.pptx
@@ -219,7 +219,7 @@
           <a:effectLst/>
           <a:extLst>
             <a:ext uri="{91240B29-F687-4f45-9708-019B960494DF}">
-              <a14:hiddenLine xmlns:a14="http://schemas.microsoft.com/office/drawing/2010/main" xmlns="" w="9525">
+              <a14:hiddenLine xmlns="" xmlns:a14="http://schemas.microsoft.com/office/drawing/2010/main" w="9525">
                 <a:solidFill>
                   <a:srgbClr val="000000"/>
                 </a:solidFill>
@@ -412,7 +412,7 @@
             <a:fld id="{08B9EBBA-996F-894A-B54A-D6246ED52CEA}" type="datetimeFigureOut">
               <a:rPr lang="en-US" dirty="0"/>
               <a:pPr/>
-              <a:t>1/27/2018</a:t>
+              <a:t>1/30/2018</a:t>
             </a:fld>
             <a:endParaRPr lang="en-US" dirty="0"/>
           </a:p>
@@ -727,7 +727,7 @@
             <a:fld id="{18C79C5D-2A6F-F04D-97DA-BEF2467B64E4}" type="datetimeFigureOut">
               <a:rPr lang="en-US" dirty="0"/>
               <a:pPr/>
-              <a:t>1/27/2018</a:t>
+              <a:t>1/30/2018</a:t>
             </a:fld>
             <a:endParaRPr lang="en-US" dirty="0"/>
           </a:p>
@@ -1212,7 +1212,7 @@
             <a:fld id="{8DFA1846-DA80-1C48-A609-854EA85C59AD}" type="datetimeFigureOut">
               <a:rPr lang="en-US" dirty="0"/>
               <a:pPr/>
-              <a:t>1/27/2018</a:t>
+              <a:t>1/30/2018</a:t>
             </a:fld>
             <a:endParaRPr lang="en-US" dirty="0"/>
           </a:p>
@@ -1578,7 +1578,7 @@
             <a:fld id="{FBF54567-0DE4-3F47-BF90-CB84690072F9}" type="datetimeFigureOut">
               <a:rPr lang="en-US" dirty="0"/>
               <a:pPr/>
-              <a:t>1/27/2018</a:t>
+              <a:t>1/30/2018</a:t>
             </a:fld>
             <a:endParaRPr lang="en-US" dirty="0"/>
           </a:p>
@@ -1729,7 +1729,7 @@
           <a:ln/>
           <a:extLst>
             <a:ext uri="{91240B29-F687-4f45-9708-019B960494DF}">
-              <a14:hiddenLine xmlns:a14="http://schemas.microsoft.com/office/drawing/2010/main" xmlns="" w="9525">
+              <a14:hiddenLine xmlns="" xmlns:a14="http://schemas.microsoft.com/office/drawing/2010/main" w="9525">
                 <a:solidFill>
                   <a:srgbClr val="000000"/>
                 </a:solidFill>
@@ -1848,7 +1848,7 @@
             <a:fld id="{C6C52C72-DE31-F449-A4ED-4C594FD91407}" type="datetimeFigureOut">
               <a:rPr lang="en-US" dirty="0"/>
               <a:pPr/>
-              <a:t>1/27/2018</a:t>
+              <a:t>1/30/2018</a:t>
             </a:fld>
             <a:endParaRPr lang="en-US" dirty="0"/>
           </a:p>
@@ -2001,7 +2001,7 @@
           <a:ln/>
           <a:extLst>
             <a:ext uri="{91240B29-F687-4f45-9708-019B960494DF}">
-              <a14:hiddenLine xmlns:a14="http://schemas.microsoft.com/office/drawing/2010/main" xmlns="" w="9525">
+              <a14:hiddenLine xmlns="" xmlns:a14="http://schemas.microsoft.com/office/drawing/2010/main" w="9525">
                 <a:solidFill>
                   <a:srgbClr val="000000"/>
                 </a:solidFill>
@@ -2130,7 +2130,7 @@
             <a:fld id="{ED62726E-379B-B349-9EED-81ED093FA806}" type="datetimeFigureOut">
               <a:rPr lang="en-US" dirty="0"/>
               <a:pPr/>
-              <a:t>1/27/2018</a:t>
+              <a:t>1/30/2018</a:t>
             </a:fld>
             <a:endParaRPr lang="en-US" dirty="0"/>
           </a:p>
@@ -2281,7 +2281,7 @@
           <a:ln/>
           <a:extLst>
             <a:ext uri="{91240B29-F687-4f45-9708-019B960494DF}">
-              <a14:hiddenLine xmlns:a14="http://schemas.microsoft.com/office/drawing/2010/main" xmlns="" w="9525">
+              <a14:hiddenLine xmlns="" xmlns:a14="http://schemas.microsoft.com/office/drawing/2010/main" w="9525">
                 <a:solidFill>
                   <a:srgbClr val="000000"/>
                 </a:solidFill>
@@ -2410,7 +2410,7 @@
             <a:fld id="{9B3A1323-8D79-1946-B0D7-40001CF92E9D}" type="datetimeFigureOut">
               <a:rPr lang="en-US" dirty="0"/>
               <a:pPr/>
-              <a:t>1/27/2018</a:t>
+              <a:t>1/30/2018</a:t>
             </a:fld>
             <a:endParaRPr lang="en-US" dirty="0"/>
           </a:p>
@@ -2750,7 +2750,7 @@
             <a:fld id="{8DFA1846-DA80-1C48-A609-854EA85C59AD}" type="datetimeFigureOut">
               <a:rPr lang="en-US" dirty="0"/>
               <a:pPr/>
-              <a:t>1/27/2018</a:t>
+              <a:t>1/30/2018</a:t>
             </a:fld>
             <a:endParaRPr lang="en-US" dirty="0"/>
           </a:p>
@@ -2901,7 +2901,7 @@
           <a:ln/>
           <a:extLst>
             <a:ext uri="{91240B29-F687-4f45-9708-019B960494DF}">
-              <a14:hiddenLine xmlns:a14="http://schemas.microsoft.com/office/drawing/2010/main" xmlns="" w="9525">
+              <a14:hiddenLine xmlns="" xmlns:a14="http://schemas.microsoft.com/office/drawing/2010/main" w="9525">
                 <a:solidFill>
                   <a:srgbClr val="000000"/>
                 </a:solidFill>
@@ -3086,7 +3086,7 @@
             <a:fld id="{57302355-E14B-8545-A8F8-0FE83CC9D524}" type="datetimeFigureOut">
               <a:rPr lang="en-US" dirty="0"/>
               <a:pPr/>
-              <a:t>1/27/2018</a:t>
+              <a:t>1/30/2018</a:t>
             </a:fld>
             <a:endParaRPr lang="en-US" dirty="0"/>
           </a:p>
@@ -3237,7 +3237,7 @@
           <a:ln/>
           <a:extLst>
             <a:ext uri="{91240B29-F687-4f45-9708-019B960494DF}">
-              <a14:hiddenLine xmlns:a14="http://schemas.microsoft.com/office/drawing/2010/main" xmlns="" w="9525">
+              <a14:hiddenLine xmlns="" xmlns:a14="http://schemas.microsoft.com/office/drawing/2010/main" w="9525">
                 <a:solidFill>
                   <a:srgbClr val="000000"/>
                 </a:solidFill>
@@ -3560,7 +3560,7 @@
             <a:fld id="{02640F58-564D-2B4F-AE67-E407BA4FCF45}" type="datetimeFigureOut">
               <a:rPr lang="en-US" dirty="0"/>
               <a:pPr/>
-              <a:t>1/27/2018</a:t>
+              <a:t>1/30/2018</a:t>
             </a:fld>
             <a:endParaRPr lang="en-US" dirty="0"/>
           </a:p>
@@ -3711,7 +3711,7 @@
           <a:ln/>
           <a:extLst>
             <a:ext uri="{91240B29-F687-4f45-9708-019B960494DF}">
-              <a14:hiddenLine xmlns:a14="http://schemas.microsoft.com/office/drawing/2010/main" xmlns="" w="9525">
+              <a14:hiddenLine xmlns="" xmlns:a14="http://schemas.microsoft.com/office/drawing/2010/main" w="9525">
                 <a:solidFill>
                   <a:srgbClr val="000000"/>
                 </a:solidFill>
@@ -3778,7 +3778,7 @@
             <a:fld id="{F13A34C8-038E-2045-AF43-DF7DBB8E0E9E}" type="datetimeFigureOut">
               <a:rPr lang="en-US" dirty="0"/>
               <a:pPr/>
-              <a:t>1/27/2018</a:t>
+              <a:t>1/30/2018</a:t>
             </a:fld>
             <a:endParaRPr lang="en-US" dirty="0"/>
           </a:p>
@@ -3870,7 +3870,7 @@
             <a:fld id="{8818C68F-D26B-8F47-958C-23B49CF8A634}" type="datetimeFigureOut">
               <a:rPr lang="en-US" dirty="0"/>
               <a:pPr/>
-              <a:t>1/27/2018</a:t>
+              <a:t>1/30/2018</a:t>
             </a:fld>
             <a:endParaRPr lang="en-US" dirty="0"/>
           </a:p>
@@ -4134,7 +4134,7 @@
           <a:ln/>
           <a:extLst>
             <a:ext uri="{91240B29-F687-4f45-9708-019B960494DF}">
-              <a14:hiddenLine xmlns:a14="http://schemas.microsoft.com/office/drawing/2010/main" xmlns="" w="9525">
+              <a14:hiddenLine xmlns="" xmlns:a14="http://schemas.microsoft.com/office/drawing/2010/main" w="9525">
                 <a:solidFill>
                   <a:srgbClr val="000000"/>
                 </a:solidFill>
@@ -4334,7 +4334,7 @@
             <a:fld id="{D0DF5E60-9974-AC48-9591-99C2BB44B7CF}" type="datetimeFigureOut">
               <a:rPr lang="en-US" dirty="0"/>
               <a:pPr/>
-              <a:t>1/27/2018</a:t>
+              <a:t>1/30/2018</a:t>
             </a:fld>
             <a:endParaRPr lang="en-US" dirty="0"/>
           </a:p>
@@ -4644,7 +4644,7 @@
             <a:fld id="{18C79C5D-2A6F-F04D-97DA-BEF2467B64E4}" type="datetimeFigureOut">
               <a:rPr lang="en-US" dirty="0"/>
               <a:pPr/>
-              <a:t>1/27/2018</a:t>
+              <a:t>1/30/2018</a:t>
             </a:fld>
             <a:endParaRPr lang="en-US" dirty="0"/>
           </a:p>
@@ -4911,7 +4911,7 @@
             <a:fld id="{09B482E8-6E0E-1B4F-B1FD-C69DB9E858D9}" type="datetimeFigureOut">
               <a:rPr lang="en-US" dirty="0"/>
               <a:pPr/>
-              <a:t>1/27/2018</a:t>
+              <a:t>1/30/2018</a:t>
             </a:fld>
             <a:endParaRPr lang="en-US" dirty="0"/>
           </a:p>
@@ -5743,7 +5743,7 @@
       </mc:AlternateContent>
       <p:pic>
         <p:nvPicPr>
-          <p:cNvPr id="4" name="Immagine 3"/>
+          <p:cNvPr id="8" name="Immagine 7"/>
           <p:cNvPicPr>
             <a:picLocks noChangeAspect="1"/>
           </p:cNvPicPr>
@@ -5763,8 +5763,8 @@
         </p:blipFill>
         <p:spPr>
           <a:xfrm>
-            <a:off x="7757546" y="1417638"/>
-            <a:ext cx="3948170" cy="2961127"/>
+            <a:off x="7761242" y="1754659"/>
+            <a:ext cx="4312033" cy="2440460"/>
           </a:xfrm>
           <a:prstGeom prst="rect">
             <a:avLst/>
@@ -5773,7 +5773,7 @@
       </p:pic>
       <p:pic>
         <p:nvPicPr>
-          <p:cNvPr id="6" name="Immagine 5"/>
+          <p:cNvPr id="7" name="Immagine 6"/>
           <p:cNvPicPr>
             <a:picLocks noChangeAspect="1"/>
           </p:cNvPicPr>
@@ -5793,8 +5793,8 @@
         </p:blipFill>
         <p:spPr>
           <a:xfrm>
-            <a:off x="7847017" y="4091664"/>
-            <a:ext cx="3858699" cy="2890729"/>
+            <a:off x="7761242" y="3992776"/>
+            <a:ext cx="4312033" cy="2865224"/>
           </a:xfrm>
           <a:prstGeom prst="rect">
             <a:avLst/>
@@ -5811,11 +5811,11 @@
   <p:clrMapOvr>
     <a:masterClrMapping/>
   </p:clrMapOvr>
-  <mc:AlternateContent xmlns:mc="http://schemas.openxmlformats.org/markup-compatibility/2006">
-    <mc:Choice xmlns:p14="http://schemas.microsoft.com/office/powerpoint/2010/main" Requires="p14">
+  <mc:AlternateContent xmlns:mc="http://schemas.openxmlformats.org/markup-compatibility/2006" xmlns:p14="http://schemas.microsoft.com/office/powerpoint/2010/main">
+    <mc:Choice Requires="p14">
       <p:transition spd="slow" p14:dur="2000"/>
     </mc:Choice>
-    <mc:Fallback>
+    <mc:Fallback xmlns="">
       <p:transition spd="slow"/>
     </mc:Fallback>
   </mc:AlternateContent>
